--- a/doc/Project4.pptx
+++ b/doc/Project4.pptx
@@ -3493,7 +3493,7 @@
           <a:p>
             <a:fld id="{5ADCE4F1-7216-EC4B-95B8-AFEAB379CE29}" type="datetimeFigureOut">
               <a:rPr lang="en-US" smtClean="0"/>
-              <a:t>4/17/18</a:t>
+              <a:t>4/18/18</a:t>
             </a:fld>
             <a:endParaRPr lang="en-US"/>
           </a:p>
@@ -4589,7 +4589,7 @@
           <a:p>
             <a:fld id="{03CE9DDD-65FB-974B-9AB9-DA5458D243F0}" type="datetimeFigureOut">
               <a:rPr lang="en-US" smtClean="0"/>
-              <a:t>4/17/18</a:t>
+              <a:t>4/18/18</a:t>
             </a:fld>
             <a:endParaRPr lang="en-US"/>
           </a:p>
@@ -4845,7 +4845,7 @@
           <a:p>
             <a:fld id="{03CE9DDD-65FB-974B-9AB9-DA5458D243F0}" type="datetimeFigureOut">
               <a:rPr lang="en-US" smtClean="0"/>
-              <a:t>4/17/18</a:t>
+              <a:t>4/18/18</a:t>
             </a:fld>
             <a:endParaRPr lang="en-US"/>
           </a:p>
@@ -5159,7 +5159,7 @@
           <a:p>
             <a:fld id="{03CE9DDD-65FB-974B-9AB9-DA5458D243F0}" type="datetimeFigureOut">
               <a:rPr lang="en-US" smtClean="0"/>
-              <a:t>4/17/18</a:t>
+              <a:t>4/18/18</a:t>
             </a:fld>
             <a:endParaRPr lang="en-US"/>
           </a:p>
@@ -5492,7 +5492,7 @@
           <a:p>
             <a:fld id="{03CE9DDD-65FB-974B-9AB9-DA5458D243F0}" type="datetimeFigureOut">
               <a:rPr lang="en-US" smtClean="0"/>
-              <a:t>4/17/18</a:t>
+              <a:t>4/18/18</a:t>
             </a:fld>
             <a:endParaRPr lang="en-US"/>
           </a:p>
@@ -5806,7 +5806,7 @@
           <a:p>
             <a:fld id="{03CE9DDD-65FB-974B-9AB9-DA5458D243F0}" type="datetimeFigureOut">
               <a:rPr lang="en-US" smtClean="0"/>
-              <a:t>4/17/18</a:t>
+              <a:t>4/18/18</a:t>
             </a:fld>
             <a:endParaRPr lang="en-US"/>
           </a:p>
@@ -6199,7 +6199,7 @@
           <a:p>
             <a:fld id="{03CE9DDD-65FB-974B-9AB9-DA5458D243F0}" type="datetimeFigureOut">
               <a:rPr lang="en-US" smtClean="0"/>
-              <a:t>4/17/18</a:t>
+              <a:t>4/18/18</a:t>
             </a:fld>
             <a:endParaRPr lang="en-US"/>
           </a:p>
@@ -6369,7 +6369,7 @@
           <a:p>
             <a:fld id="{03CE9DDD-65FB-974B-9AB9-DA5458D243F0}" type="datetimeFigureOut">
               <a:rPr lang="en-US" smtClean="0"/>
-              <a:t>4/17/18</a:t>
+              <a:t>4/18/18</a:t>
             </a:fld>
             <a:endParaRPr lang="en-US"/>
           </a:p>
@@ -6549,7 +6549,7 @@
           <a:p>
             <a:fld id="{03CE9DDD-65FB-974B-9AB9-DA5458D243F0}" type="datetimeFigureOut">
               <a:rPr lang="en-US" smtClean="0"/>
-              <a:t>4/17/18</a:t>
+              <a:t>4/18/18</a:t>
             </a:fld>
             <a:endParaRPr lang="en-US"/>
           </a:p>
@@ -6719,7 +6719,7 @@
           <a:p>
             <a:fld id="{03CE9DDD-65FB-974B-9AB9-DA5458D243F0}" type="datetimeFigureOut">
               <a:rPr lang="en-US" smtClean="0"/>
-              <a:t>4/17/18</a:t>
+              <a:t>4/18/18</a:t>
             </a:fld>
             <a:endParaRPr lang="en-US"/>
           </a:p>
@@ -6966,7 +6966,7 @@
           <a:p>
             <a:fld id="{03CE9DDD-65FB-974B-9AB9-DA5458D243F0}" type="datetimeFigureOut">
               <a:rPr lang="en-US" smtClean="0"/>
-              <a:t>4/17/18</a:t>
+              <a:t>4/18/18</a:t>
             </a:fld>
             <a:endParaRPr lang="en-US"/>
           </a:p>
@@ -7198,7 +7198,7 @@
           <a:p>
             <a:fld id="{03CE9DDD-65FB-974B-9AB9-DA5458D243F0}" type="datetimeFigureOut">
               <a:rPr lang="en-US" smtClean="0"/>
-              <a:t>4/17/18</a:t>
+              <a:t>4/18/18</a:t>
             </a:fld>
             <a:endParaRPr lang="en-US"/>
           </a:p>
@@ -7577,7 +7577,7 @@
           <a:p>
             <a:fld id="{03CE9DDD-65FB-974B-9AB9-DA5458D243F0}" type="datetimeFigureOut">
               <a:rPr lang="en-US" smtClean="0"/>
-              <a:t>4/17/18</a:t>
+              <a:t>4/18/18</a:t>
             </a:fld>
             <a:endParaRPr lang="en-US"/>
           </a:p>
@@ -7705,7 +7705,7 @@
           <a:p>
             <a:fld id="{03CE9DDD-65FB-974B-9AB9-DA5458D243F0}" type="datetimeFigureOut">
               <a:rPr lang="en-US" smtClean="0"/>
-              <a:t>4/17/18</a:t>
+              <a:t>4/18/18</a:t>
             </a:fld>
             <a:endParaRPr lang="en-US"/>
           </a:p>
@@ -7800,7 +7800,7 @@
           <a:p>
             <a:fld id="{03CE9DDD-65FB-974B-9AB9-DA5458D243F0}" type="datetimeFigureOut">
               <a:rPr lang="en-US" smtClean="0"/>
-              <a:t>4/17/18</a:t>
+              <a:t>4/18/18</a:t>
             </a:fld>
             <a:endParaRPr lang="en-US"/>
           </a:p>
@@ -8060,7 +8060,7 @@
           <a:p>
             <a:fld id="{03CE9DDD-65FB-974B-9AB9-DA5458D243F0}" type="datetimeFigureOut">
               <a:rPr lang="en-US" smtClean="0"/>
-              <a:t>4/17/18</a:t>
+              <a:t>4/18/18</a:t>
             </a:fld>
             <a:endParaRPr lang="en-US"/>
           </a:p>
@@ -8370,7 +8370,7 @@
           <a:p>
             <a:fld id="{03CE9DDD-65FB-974B-9AB9-DA5458D243F0}" type="datetimeFigureOut">
               <a:rPr lang="en-US" smtClean="0"/>
-              <a:t>4/17/18</a:t>
+              <a:t>4/18/18</a:t>
             </a:fld>
             <a:endParaRPr lang="en-US"/>
           </a:p>
@@ -9072,7 +9072,7 @@
           <a:p>
             <a:fld id="{03CE9DDD-65FB-974B-9AB9-DA5458D243F0}" type="datetimeFigureOut">
               <a:rPr lang="en-US" smtClean="0"/>
-              <a:t>4/17/18</a:t>
+              <a:t>4/18/18</a:t>
             </a:fld>
             <a:endParaRPr lang="en-US"/>
           </a:p>
@@ -13044,28 +13044,28 @@
                 <a:gridCol w="1514710">
                   <a:extLst>
                     <a:ext uri="{9D8B030D-6E8A-4147-A177-3AD203B41FA5}">
-                      <a16:colId xmlns="" xmlns:a16="http://schemas.microsoft.com/office/drawing/2014/main" val="20000"/>
+                      <a16:colId xmlns:a16="http://schemas.microsoft.com/office/drawing/2014/main" xmlns="" val="20000"/>
                     </a:ext>
                   </a:extLst>
                 </a:gridCol>
                 <a:gridCol w="1514710">
                   <a:extLst>
                     <a:ext uri="{9D8B030D-6E8A-4147-A177-3AD203B41FA5}">
-                      <a16:colId xmlns="" xmlns:a16="http://schemas.microsoft.com/office/drawing/2014/main" val="20001"/>
+                      <a16:colId xmlns:a16="http://schemas.microsoft.com/office/drawing/2014/main" xmlns="" val="20001"/>
                     </a:ext>
                   </a:extLst>
                 </a:gridCol>
                 <a:gridCol w="1514710">
                   <a:extLst>
                     <a:ext uri="{9D8B030D-6E8A-4147-A177-3AD203B41FA5}">
-                      <a16:colId xmlns="" xmlns:a16="http://schemas.microsoft.com/office/drawing/2014/main" val="20002"/>
+                      <a16:colId xmlns:a16="http://schemas.microsoft.com/office/drawing/2014/main" xmlns="" val="20002"/>
                     </a:ext>
                   </a:extLst>
                 </a:gridCol>
                 <a:gridCol w="1514710">
                   <a:extLst>
                     <a:ext uri="{9D8B030D-6E8A-4147-A177-3AD203B41FA5}">
-                      <a16:colId xmlns="" xmlns:a16="http://schemas.microsoft.com/office/drawing/2014/main" val="20003"/>
+                      <a16:colId xmlns:a16="http://schemas.microsoft.com/office/drawing/2014/main" xmlns="" val="20003"/>
                     </a:ext>
                   </a:extLst>
                 </a:gridCol>
@@ -13129,7 +13129,7 @@
                 </a:tc>
                 <a:extLst>
                   <a:ext uri="{0D108BD9-81ED-4DB2-BD59-A6C34878D82A}">
-                    <a16:rowId xmlns="" xmlns:a16="http://schemas.microsoft.com/office/drawing/2014/main" val="10000"/>
+                    <a16:rowId xmlns:a16="http://schemas.microsoft.com/office/drawing/2014/main" xmlns="" val="10000"/>
                   </a:ext>
                 </a:extLst>
               </a:tr>
@@ -13200,7 +13200,7 @@
                 </a:tc>
                 <a:extLst>
                   <a:ext uri="{0D108BD9-81ED-4DB2-BD59-A6C34878D82A}">
-                    <a16:rowId xmlns="" xmlns:a16="http://schemas.microsoft.com/office/drawing/2014/main" val="10001"/>
+                    <a16:rowId xmlns:a16="http://schemas.microsoft.com/office/drawing/2014/main" xmlns="" val="10001"/>
                   </a:ext>
                 </a:extLst>
               </a:tr>
@@ -13271,7 +13271,7 @@
                 </a:tc>
                 <a:extLst>
                   <a:ext uri="{0D108BD9-81ED-4DB2-BD59-A6C34878D82A}">
-                    <a16:rowId xmlns="" xmlns:a16="http://schemas.microsoft.com/office/drawing/2014/main" val="10002"/>
+                    <a16:rowId xmlns:a16="http://schemas.microsoft.com/office/drawing/2014/main" xmlns="" val="10002"/>
                   </a:ext>
                 </a:extLst>
               </a:tr>
@@ -13345,21 +13345,21 @@
                 <a:gridCol w="1723744">
                   <a:extLst>
                     <a:ext uri="{9D8B030D-6E8A-4147-A177-3AD203B41FA5}">
-                      <a16:colId xmlns="" xmlns:a16="http://schemas.microsoft.com/office/drawing/2014/main" val="20000"/>
+                      <a16:colId xmlns:a16="http://schemas.microsoft.com/office/drawing/2014/main" xmlns="" val="20000"/>
                     </a:ext>
                   </a:extLst>
                 </a:gridCol>
                 <a:gridCol w="1723744">
                   <a:extLst>
                     <a:ext uri="{9D8B030D-6E8A-4147-A177-3AD203B41FA5}">
-                      <a16:colId xmlns="" xmlns:a16="http://schemas.microsoft.com/office/drawing/2014/main" val="20001"/>
+                      <a16:colId xmlns:a16="http://schemas.microsoft.com/office/drawing/2014/main" xmlns="" val="20001"/>
                     </a:ext>
                   </a:extLst>
                 </a:gridCol>
                 <a:gridCol w="1723744">
                   <a:extLst>
                     <a:ext uri="{9D8B030D-6E8A-4147-A177-3AD203B41FA5}">
-                      <a16:colId xmlns="" xmlns:a16="http://schemas.microsoft.com/office/drawing/2014/main" val="20002"/>
+                      <a16:colId xmlns:a16="http://schemas.microsoft.com/office/drawing/2014/main" xmlns="" val="20002"/>
                     </a:ext>
                   </a:extLst>
                 </a:gridCol>
@@ -13417,7 +13417,7 @@
                 </a:tc>
                 <a:extLst>
                   <a:ext uri="{0D108BD9-81ED-4DB2-BD59-A6C34878D82A}">
-                    <a16:rowId xmlns="" xmlns:a16="http://schemas.microsoft.com/office/drawing/2014/main" val="10000"/>
+                    <a16:rowId xmlns:a16="http://schemas.microsoft.com/office/drawing/2014/main" xmlns="" val="10000"/>
                   </a:ext>
                 </a:extLst>
               </a:tr>
@@ -13466,7 +13466,7 @@
                 </a:tc>
                 <a:extLst>
                   <a:ext uri="{0D108BD9-81ED-4DB2-BD59-A6C34878D82A}">
-                    <a16:rowId xmlns="" xmlns:a16="http://schemas.microsoft.com/office/drawing/2014/main" val="10001"/>
+                    <a16:rowId xmlns:a16="http://schemas.microsoft.com/office/drawing/2014/main" xmlns="" val="10001"/>
                   </a:ext>
                 </a:extLst>
               </a:tr>
@@ -13523,7 +13523,7 @@
                 </a:tc>
                 <a:extLst>
                   <a:ext uri="{0D108BD9-81ED-4DB2-BD59-A6C34878D82A}">
-                    <a16:rowId xmlns="" xmlns:a16="http://schemas.microsoft.com/office/drawing/2014/main" val="10002"/>
+                    <a16:rowId xmlns:a16="http://schemas.microsoft.com/office/drawing/2014/main" xmlns="" val="10002"/>
                   </a:ext>
                 </a:extLst>
               </a:tr>
@@ -14153,14 +14153,14 @@
                 <a:gridCol w="1414966">
                   <a:extLst>
                     <a:ext uri="{9D8B030D-6E8A-4147-A177-3AD203B41FA5}">
-                      <a16:colId xmlns="" xmlns:a16="http://schemas.microsoft.com/office/drawing/2014/main" val="20000"/>
+                      <a16:colId xmlns:a16="http://schemas.microsoft.com/office/drawing/2014/main" xmlns="" val="20000"/>
                     </a:ext>
                   </a:extLst>
                 </a:gridCol>
                 <a:gridCol w="1414966">
                   <a:extLst>
                     <a:ext uri="{9D8B030D-6E8A-4147-A177-3AD203B41FA5}">
-                      <a16:colId xmlns="" xmlns:a16="http://schemas.microsoft.com/office/drawing/2014/main" val="20001"/>
+                      <a16:colId xmlns:a16="http://schemas.microsoft.com/office/drawing/2014/main" xmlns="" val="20001"/>
                     </a:ext>
                   </a:extLst>
                 </a:gridCol>
@@ -14204,7 +14204,7 @@
                 </a:tc>
                 <a:extLst>
                   <a:ext uri="{0D108BD9-81ED-4DB2-BD59-A6C34878D82A}">
-                    <a16:rowId xmlns="" xmlns:a16="http://schemas.microsoft.com/office/drawing/2014/main" val="10000"/>
+                    <a16:rowId xmlns:a16="http://schemas.microsoft.com/office/drawing/2014/main" xmlns="" val="10000"/>
                   </a:ext>
                 </a:extLst>
               </a:tr>
@@ -14239,7 +14239,7 @@
                 </a:tc>
                 <a:extLst>
                   <a:ext uri="{0D108BD9-81ED-4DB2-BD59-A6C34878D82A}">
-                    <a16:rowId xmlns="" xmlns:a16="http://schemas.microsoft.com/office/drawing/2014/main" val="10001"/>
+                    <a16:rowId xmlns:a16="http://schemas.microsoft.com/office/drawing/2014/main" xmlns="" val="10001"/>
                   </a:ext>
                 </a:extLst>
               </a:tr>
@@ -14274,7 +14274,7 @@
                 </a:tc>
                 <a:extLst>
                   <a:ext uri="{0D108BD9-81ED-4DB2-BD59-A6C34878D82A}">
-                    <a16:rowId xmlns="" xmlns:a16="http://schemas.microsoft.com/office/drawing/2014/main" val="10002"/>
+                    <a16:rowId xmlns:a16="http://schemas.microsoft.com/office/drawing/2014/main" xmlns="" val="10002"/>
                   </a:ext>
                 </a:extLst>
               </a:tr>
@@ -14309,7 +14309,7 @@
                 </a:tc>
                 <a:extLst>
                   <a:ext uri="{0D108BD9-81ED-4DB2-BD59-A6C34878D82A}">
-                    <a16:rowId xmlns="" xmlns:a16="http://schemas.microsoft.com/office/drawing/2014/main" val="10003"/>
+                    <a16:rowId xmlns:a16="http://schemas.microsoft.com/office/drawing/2014/main" xmlns="" val="10003"/>
                   </a:ext>
                 </a:extLst>
               </a:tr>
@@ -14858,7 +14858,15 @@
             <a:pPr algn="ctr"/>
             <a:r>
               <a:rPr lang="en-US" altLang="zh-CN" sz="8000" dirty="0" smtClean="0"/>
-              <a:t>Questions?</a:t>
+              <a:t>Thank</a:t>
+            </a:r>
+            <a:r>
+              <a:rPr lang="zh-CN" altLang="en-US" sz="8000" dirty="0" smtClean="0"/>
+              <a:t> </a:t>
+            </a:r>
+            <a:r>
+              <a:rPr lang="en-US" altLang="zh-CN" sz="8000" smtClean="0"/>
+              <a:t>you!</a:t>
             </a:r>
             <a:endParaRPr lang="en-US" sz="8000" dirty="0"/>
           </a:p>
@@ -17333,7 +17341,7 @@
           <p:cNvPr id="6" name="Picture 5">
             <a:extLst>
               <a:ext uri="{FF2B5EF4-FFF2-40B4-BE49-F238E27FC236}">
-                <a16:creationId xmlns="" xmlns:a16="http://schemas.microsoft.com/office/drawing/2014/main" id="{8EC952E1-27AD-4618-A953-762F816F4912}"/>
+                <a16:creationId xmlns:a16="http://schemas.microsoft.com/office/drawing/2014/main" xmlns="" id="{8EC952E1-27AD-4618-A953-762F816F4912}"/>
               </a:ext>
             </a:extLst>
           </p:cNvPr>
@@ -17363,7 +17371,7 @@
           <p:cNvPr id="7" name="Picture 6">
             <a:extLst>
               <a:ext uri="{FF2B5EF4-FFF2-40B4-BE49-F238E27FC236}">
-                <a16:creationId xmlns="" xmlns:a16="http://schemas.microsoft.com/office/drawing/2014/main" id="{52AA0C78-539D-4825-8CA5-A0FA5C856CB5}"/>
+                <a16:creationId xmlns:a16="http://schemas.microsoft.com/office/drawing/2014/main" xmlns="" id="{52AA0C78-539D-4825-8CA5-A0FA5C856CB5}"/>
               </a:ext>
             </a:extLst>
           </p:cNvPr>
